--- a/Revue n1/powerpoint_Maxime.pptx
+++ b/Revue n1/powerpoint_Maxime.pptx
@@ -111,6 +111,11 @@
       </a:defRPr>
     </a:lvl9pPr>
   </p:defaultTextStyle>
+  <p:extLst>
+    <p:ext uri="{EFAFB233-063F-42B5-8137-9DF3F51BA10A}">
+      <p15:sldGuideLst xmlns:p15="http://schemas.microsoft.com/office/powerpoint/2012/main"/>
+    </p:ext>
+  </p:extLst>
 </p:presentation>
 </file>
 
@@ -284,7 +289,7 @@
             <a:fld id="{87DE6118-2437-4B30-8E3C-4D2BE6020583}" type="datetimeFigureOut">
               <a:rPr lang="en-US" dirty="0"/>
               <a:pPr/>
-              <a:t>1/15/2019</a:t>
+              <a:t>1/18/2019</a:t>
             </a:fld>
             <a:endParaRPr lang="en-US" dirty="0"/>
           </a:p>
@@ -610,7 +615,7 @@
           <a:p>
             <a:fld id="{87DE6118-2437-4B30-8E3C-4D2BE6020583}" type="datetimeFigureOut">
               <a:rPr lang="en-US" dirty="0"/>
-              <a:t>1/15/2019</a:t>
+              <a:t>1/18/2019</a:t>
             </a:fld>
             <a:endParaRPr lang="en-US" dirty="0"/>
           </a:p>
@@ -785,7 +790,7 @@
           <a:p>
             <a:fld id="{87DE6118-2437-4B30-8E3C-4D2BE6020583}" type="datetimeFigureOut">
               <a:rPr lang="en-US" dirty="0"/>
-              <a:t>1/15/2019</a:t>
+              <a:t>1/18/2019</a:t>
             </a:fld>
             <a:endParaRPr lang="en-US" dirty="0"/>
           </a:p>
@@ -950,7 +955,7 @@
           <a:p>
             <a:fld id="{87DE6118-2437-4B30-8E3C-4D2BE6020583}" type="datetimeFigureOut">
               <a:rPr lang="en-US" dirty="0"/>
-              <a:t>1/15/2019</a:t>
+              <a:t>1/18/2019</a:t>
             </a:fld>
             <a:endParaRPr lang="en-US" dirty="0"/>
           </a:p>
@@ -1223,7 +1228,7 @@
             <a:fld id="{87DE6118-2437-4B30-8E3C-4D2BE6020583}" type="datetimeFigureOut">
               <a:rPr lang="en-US" dirty="0"/>
               <a:pPr/>
-              <a:t>1/15/2019</a:t>
+              <a:t>1/18/2019</a:t>
             </a:fld>
             <a:endParaRPr lang="en-US" dirty="0"/>
           </a:p>
@@ -1613,7 +1618,7 @@
           <a:p>
             <a:fld id="{87DE6118-2437-4B30-8E3C-4D2BE6020583}" type="datetimeFigureOut">
               <a:rPr lang="en-US" dirty="0"/>
-              <a:t>1/15/2019</a:t>
+              <a:t>1/18/2019</a:t>
             </a:fld>
             <a:endParaRPr lang="en-US" dirty="0"/>
           </a:p>
@@ -2085,7 +2090,7 @@
           <a:p>
             <a:fld id="{87DE6118-2437-4B30-8E3C-4D2BE6020583}" type="datetimeFigureOut">
               <a:rPr lang="en-US" dirty="0"/>
-              <a:t>1/15/2019</a:t>
+              <a:t>1/18/2019</a:t>
             </a:fld>
             <a:endParaRPr lang="en-US" dirty="0"/>
           </a:p>
@@ -2198,7 +2203,7 @@
           <a:p>
             <a:fld id="{87DE6118-2437-4B30-8E3C-4D2BE6020583}" type="datetimeFigureOut">
               <a:rPr lang="en-US" dirty="0"/>
-              <a:t>1/15/2019</a:t>
+              <a:t>1/18/2019</a:t>
             </a:fld>
             <a:endParaRPr lang="en-US" dirty="0"/>
           </a:p>
@@ -2288,7 +2293,7 @@
           <a:p>
             <a:fld id="{87DE6118-2437-4B30-8E3C-4D2BE6020583}" type="datetimeFigureOut">
               <a:rPr lang="en-US" dirty="0"/>
-              <a:t>1/15/2019</a:t>
+              <a:t>1/18/2019</a:t>
             </a:fld>
             <a:endParaRPr lang="en-US" dirty="0"/>
           </a:p>
@@ -2630,7 +2635,7 @@
             <a:fld id="{87DE6118-2437-4B30-8E3C-4D2BE6020583}" type="datetimeFigureOut">
               <a:rPr lang="en-US" dirty="0"/>
               <a:pPr/>
-              <a:t>1/15/2019</a:t>
+              <a:t>1/18/2019</a:t>
             </a:fld>
             <a:endParaRPr lang="en-US" dirty="0"/>
           </a:p>
@@ -3015,7 +3020,7 @@
             <a:fld id="{87DE6118-2437-4B30-8E3C-4D2BE6020583}" type="datetimeFigureOut">
               <a:rPr lang="en-US" dirty="0"/>
               <a:pPr/>
-              <a:t>1/15/2019</a:t>
+              <a:t>1/18/2019</a:t>
             </a:fld>
             <a:endParaRPr lang="en-US" dirty="0"/>
           </a:p>
@@ -3290,7 +3295,7 @@
             <a:fld id="{87DE6118-2437-4B30-8E3C-4D2BE6020583}" type="datetimeFigureOut">
               <a:rPr lang="en-US" dirty="0"/>
               <a:pPr/>
-              <a:t>1/15/2019</a:t>
+              <a:t>1/18/2019</a:t>
             </a:fld>
             <a:endParaRPr lang="en-US" dirty="0"/>
           </a:p>
@@ -3960,7 +3965,7 @@
             </a:pPr>
             <a:r>
               <a:rPr lang="fr-FR" sz="2600" dirty="0"/>
-              <a:t>Le but de ce projet, est de créer une démonstration pour l’entreprise FIO NANTES, spécialisée dans des solutions technologiques innovantes en usant de leur matériel pour créer un système permettant l’emprunt et la distributions d’articles et sa localisation en usant des leurs badges RFID afin de valoriser l’utilisation de cette technologie.</a:t>
+              <a:t>Le but de ce projet, est de créer une démonstration pour l’entreprise FIO NANTES, spécialisée dans des solutions technologiques innovantes en usant de leur matériel pour créer un système qui permet l’emprunt et la distributions d’articles et sa localisation en usant de leurs badges RFID afin de valoriser l’utilisation de cette technologie.</a:t>
             </a:r>
           </a:p>
         </p:txBody>
